--- a/ppt 16-9/0491.早晚撒种.pptx
+++ b/ppt 16-9/0491.早晚撒种.pptx
@@ -129,7 +129,7 @@
           <p:cNvPr id="2" name="标题 1">
             <a:extLst>
               <a:ext uri="{FF2B5EF4-FFF2-40B4-BE49-F238E27FC236}">
-                <a16:creationId xmlns:a16="http://schemas.microsoft.com/office/drawing/2014/main" id="{A4FD9705-B490-C809-E6AC-4109A4E6D7B4}"/>
+                <a16:creationId xmlns:a16="http://schemas.microsoft.com/office/drawing/2014/main" id="{3553D855-39DA-185B-F6E4-6F464E531D40}"/>
               </a:ext>
             </a:extLst>
           </p:cNvPr>
@@ -166,7 +166,7 @@
           <p:cNvPr id="3" name="副标题 2">
             <a:extLst>
               <a:ext uri="{FF2B5EF4-FFF2-40B4-BE49-F238E27FC236}">
-                <a16:creationId xmlns:a16="http://schemas.microsoft.com/office/drawing/2014/main" id="{4B271D28-5462-F7FB-7FD2-7A9946EE68C6}"/>
+                <a16:creationId xmlns:a16="http://schemas.microsoft.com/office/drawing/2014/main" id="{AC37A592-6862-3A48-06DD-7318EFBED7CE}"/>
               </a:ext>
             </a:extLst>
           </p:cNvPr>
@@ -236,7 +236,7 @@
           <p:cNvPr id="4" name="日期占位符 3">
             <a:extLst>
               <a:ext uri="{FF2B5EF4-FFF2-40B4-BE49-F238E27FC236}">
-                <a16:creationId xmlns:a16="http://schemas.microsoft.com/office/drawing/2014/main" id="{089D15A8-2748-BEB3-84C6-F03F136DA22F}"/>
+                <a16:creationId xmlns:a16="http://schemas.microsoft.com/office/drawing/2014/main" id="{BC0D4AD8-F2B4-779C-8025-673717AE101D}"/>
               </a:ext>
             </a:extLst>
           </p:cNvPr>
@@ -252,7 +252,7 @@
           <a:bodyPr/>
           <a:lstStyle/>
           <a:p>
-            <a:fld id="{17A4AFC0-662F-4C17-8FA9-4B6D3AB4A8F1}" type="datetimeFigureOut">
+            <a:fld id="{E86DE380-1ECC-426B-93AE-1568F9DDA364}" type="datetimeFigureOut">
               <a:rPr lang="zh-CN" altLang="en-US" smtClean="0"/>
               <a:t>2024/3/10</a:t>
             </a:fld>
@@ -265,7 +265,7 @@
           <p:cNvPr id="5" name="页脚占位符 4">
             <a:extLst>
               <a:ext uri="{FF2B5EF4-FFF2-40B4-BE49-F238E27FC236}">
-                <a16:creationId xmlns:a16="http://schemas.microsoft.com/office/drawing/2014/main" id="{96A1931E-0C79-C3DB-F2A1-6E3DD7977968}"/>
+                <a16:creationId xmlns:a16="http://schemas.microsoft.com/office/drawing/2014/main" id="{0C88A7BD-A59D-9CCD-CB6C-E3A73A4A62DA}"/>
               </a:ext>
             </a:extLst>
           </p:cNvPr>
@@ -290,7 +290,7 @@
           <p:cNvPr id="6" name="灯片编号占位符 5">
             <a:extLst>
               <a:ext uri="{FF2B5EF4-FFF2-40B4-BE49-F238E27FC236}">
-                <a16:creationId xmlns:a16="http://schemas.microsoft.com/office/drawing/2014/main" id="{0627CC2B-21DB-7E68-A638-E28B8A5BF2BB}"/>
+                <a16:creationId xmlns:a16="http://schemas.microsoft.com/office/drawing/2014/main" id="{8331426A-14B7-DFE7-CBB3-A3764C0DAFBC}"/>
               </a:ext>
             </a:extLst>
           </p:cNvPr>
@@ -306,7 +306,7 @@
           <a:bodyPr/>
           <a:lstStyle/>
           <a:p>
-            <a:fld id="{3D0202ED-3D33-4010-B559-E25EA2EDB7CC}" type="slidenum">
+            <a:fld id="{A5A4F808-4CC0-408C-B2C0-B8C536CABC07}" type="slidenum">
               <a:rPr lang="zh-CN" altLang="en-US" smtClean="0"/>
               <a:t>‹#›</a:t>
             </a:fld>
@@ -317,7 +317,7 @@
     </p:spTree>
     <p:extLst>
       <p:ext uri="{BB962C8B-B14F-4D97-AF65-F5344CB8AC3E}">
-        <p14:creationId xmlns:p14="http://schemas.microsoft.com/office/powerpoint/2010/main" val="2765318248"/>
+        <p14:creationId xmlns:p14="http://schemas.microsoft.com/office/powerpoint/2010/main" val="3900299659"/>
       </p:ext>
     </p:extLst>
   </p:cSld>
@@ -349,7 +349,7 @@
           <p:cNvPr id="2" name="标题 1">
             <a:extLst>
               <a:ext uri="{FF2B5EF4-FFF2-40B4-BE49-F238E27FC236}">
-                <a16:creationId xmlns:a16="http://schemas.microsoft.com/office/drawing/2014/main" id="{DBF95EB3-E8B1-4381-50EB-579CC53224D2}"/>
+                <a16:creationId xmlns:a16="http://schemas.microsoft.com/office/drawing/2014/main" id="{B67CC198-A3B9-D158-ED2A-65D124E9FAFA}"/>
               </a:ext>
             </a:extLst>
           </p:cNvPr>
@@ -377,7 +377,7 @@
           <p:cNvPr id="3" name="竖排文字占位符 2">
             <a:extLst>
               <a:ext uri="{FF2B5EF4-FFF2-40B4-BE49-F238E27FC236}">
-                <a16:creationId xmlns:a16="http://schemas.microsoft.com/office/drawing/2014/main" id="{00164FC2-0D4C-1A4E-497B-53F1231AF03E}"/>
+                <a16:creationId xmlns:a16="http://schemas.microsoft.com/office/drawing/2014/main" id="{23BBA9A3-18FA-0250-B6E6-DE0E70FEFE49}"/>
               </a:ext>
             </a:extLst>
           </p:cNvPr>
@@ -434,7 +434,7 @@
           <p:cNvPr id="4" name="日期占位符 3">
             <a:extLst>
               <a:ext uri="{FF2B5EF4-FFF2-40B4-BE49-F238E27FC236}">
-                <a16:creationId xmlns:a16="http://schemas.microsoft.com/office/drawing/2014/main" id="{1E6FA4C9-3F2B-7E30-9538-AD06853B2BAA}"/>
+                <a16:creationId xmlns:a16="http://schemas.microsoft.com/office/drawing/2014/main" id="{853C7F9D-8FDC-8260-7D2C-3487C998E8A8}"/>
               </a:ext>
             </a:extLst>
           </p:cNvPr>
@@ -450,7 +450,7 @@
           <a:bodyPr/>
           <a:lstStyle/>
           <a:p>
-            <a:fld id="{17A4AFC0-662F-4C17-8FA9-4B6D3AB4A8F1}" type="datetimeFigureOut">
+            <a:fld id="{E86DE380-1ECC-426B-93AE-1568F9DDA364}" type="datetimeFigureOut">
               <a:rPr lang="zh-CN" altLang="en-US" smtClean="0"/>
               <a:t>2024/3/10</a:t>
             </a:fld>
@@ -463,7 +463,7 @@
           <p:cNvPr id="5" name="页脚占位符 4">
             <a:extLst>
               <a:ext uri="{FF2B5EF4-FFF2-40B4-BE49-F238E27FC236}">
-                <a16:creationId xmlns:a16="http://schemas.microsoft.com/office/drawing/2014/main" id="{1ADACAD6-5676-6A52-50E4-01806ECF49E8}"/>
+                <a16:creationId xmlns:a16="http://schemas.microsoft.com/office/drawing/2014/main" id="{CFA9B526-54B0-2A7D-0E06-1C4852BF8C35}"/>
               </a:ext>
             </a:extLst>
           </p:cNvPr>
@@ -488,7 +488,7 @@
           <p:cNvPr id="6" name="灯片编号占位符 5">
             <a:extLst>
               <a:ext uri="{FF2B5EF4-FFF2-40B4-BE49-F238E27FC236}">
-                <a16:creationId xmlns:a16="http://schemas.microsoft.com/office/drawing/2014/main" id="{F2638954-0DDA-29BB-154D-489D34FF98DF}"/>
+                <a16:creationId xmlns:a16="http://schemas.microsoft.com/office/drawing/2014/main" id="{DE735B82-44CA-5CDF-F350-6A05D7F4AED6}"/>
               </a:ext>
             </a:extLst>
           </p:cNvPr>
@@ -504,7 +504,7 @@
           <a:bodyPr/>
           <a:lstStyle/>
           <a:p>
-            <a:fld id="{3D0202ED-3D33-4010-B559-E25EA2EDB7CC}" type="slidenum">
+            <a:fld id="{A5A4F808-4CC0-408C-B2C0-B8C536CABC07}" type="slidenum">
               <a:rPr lang="zh-CN" altLang="en-US" smtClean="0"/>
               <a:t>‹#›</a:t>
             </a:fld>
@@ -515,7 +515,7 @@
     </p:spTree>
     <p:extLst>
       <p:ext uri="{BB962C8B-B14F-4D97-AF65-F5344CB8AC3E}">
-        <p14:creationId xmlns:p14="http://schemas.microsoft.com/office/powerpoint/2010/main" val="116388738"/>
+        <p14:creationId xmlns:p14="http://schemas.microsoft.com/office/powerpoint/2010/main" val="3144017581"/>
       </p:ext>
     </p:extLst>
   </p:cSld>
@@ -547,7 +547,7 @@
           <p:cNvPr id="2" name="竖排标题 1">
             <a:extLst>
               <a:ext uri="{FF2B5EF4-FFF2-40B4-BE49-F238E27FC236}">
-                <a16:creationId xmlns:a16="http://schemas.microsoft.com/office/drawing/2014/main" id="{D49DEAD6-B592-B622-2C19-5AECCDD13538}"/>
+                <a16:creationId xmlns:a16="http://schemas.microsoft.com/office/drawing/2014/main" id="{DC1EA21F-CD15-246E-D2F5-B76F44F0AA33}"/>
               </a:ext>
             </a:extLst>
           </p:cNvPr>
@@ -580,7 +580,7 @@
           <p:cNvPr id="3" name="竖排文字占位符 2">
             <a:extLst>
               <a:ext uri="{FF2B5EF4-FFF2-40B4-BE49-F238E27FC236}">
-                <a16:creationId xmlns:a16="http://schemas.microsoft.com/office/drawing/2014/main" id="{12E95186-D25E-1831-07E1-B1033BBDE812}"/>
+                <a16:creationId xmlns:a16="http://schemas.microsoft.com/office/drawing/2014/main" id="{09717A1A-3946-2966-8BC2-33FB34415A96}"/>
               </a:ext>
             </a:extLst>
           </p:cNvPr>
@@ -642,7 +642,7 @@
           <p:cNvPr id="4" name="日期占位符 3">
             <a:extLst>
               <a:ext uri="{FF2B5EF4-FFF2-40B4-BE49-F238E27FC236}">
-                <a16:creationId xmlns:a16="http://schemas.microsoft.com/office/drawing/2014/main" id="{B47230A1-440F-EBA4-B10B-D86F86FB9265}"/>
+                <a16:creationId xmlns:a16="http://schemas.microsoft.com/office/drawing/2014/main" id="{C47F6C03-B9B8-73EE-5D4F-26D60921F23B}"/>
               </a:ext>
             </a:extLst>
           </p:cNvPr>
@@ -658,7 +658,7 @@
           <a:bodyPr/>
           <a:lstStyle/>
           <a:p>
-            <a:fld id="{17A4AFC0-662F-4C17-8FA9-4B6D3AB4A8F1}" type="datetimeFigureOut">
+            <a:fld id="{E86DE380-1ECC-426B-93AE-1568F9DDA364}" type="datetimeFigureOut">
               <a:rPr lang="zh-CN" altLang="en-US" smtClean="0"/>
               <a:t>2024/3/10</a:t>
             </a:fld>
@@ -671,7 +671,7 @@
           <p:cNvPr id="5" name="页脚占位符 4">
             <a:extLst>
               <a:ext uri="{FF2B5EF4-FFF2-40B4-BE49-F238E27FC236}">
-                <a16:creationId xmlns:a16="http://schemas.microsoft.com/office/drawing/2014/main" id="{A56DF73A-3B99-1BF3-360B-E60D14E4BC1A}"/>
+                <a16:creationId xmlns:a16="http://schemas.microsoft.com/office/drawing/2014/main" id="{B8913DF1-A955-A1FF-2760-B508E1CA8650}"/>
               </a:ext>
             </a:extLst>
           </p:cNvPr>
@@ -696,7 +696,7 @@
           <p:cNvPr id="6" name="灯片编号占位符 5">
             <a:extLst>
               <a:ext uri="{FF2B5EF4-FFF2-40B4-BE49-F238E27FC236}">
-                <a16:creationId xmlns:a16="http://schemas.microsoft.com/office/drawing/2014/main" id="{ED1F7E5A-2B2A-C1BA-1B76-07A40065113C}"/>
+                <a16:creationId xmlns:a16="http://schemas.microsoft.com/office/drawing/2014/main" id="{BC4CAA93-1673-497A-F330-165A989AC616}"/>
               </a:ext>
             </a:extLst>
           </p:cNvPr>
@@ -712,7 +712,7 @@
           <a:bodyPr/>
           <a:lstStyle/>
           <a:p>
-            <a:fld id="{3D0202ED-3D33-4010-B559-E25EA2EDB7CC}" type="slidenum">
+            <a:fld id="{A5A4F808-4CC0-408C-B2C0-B8C536CABC07}" type="slidenum">
               <a:rPr lang="zh-CN" altLang="en-US" smtClean="0"/>
               <a:t>‹#›</a:t>
             </a:fld>
@@ -723,7 +723,7 @@
     </p:spTree>
     <p:extLst>
       <p:ext uri="{BB962C8B-B14F-4D97-AF65-F5344CB8AC3E}">
-        <p14:creationId xmlns:p14="http://schemas.microsoft.com/office/powerpoint/2010/main" val="3305484326"/>
+        <p14:creationId xmlns:p14="http://schemas.microsoft.com/office/powerpoint/2010/main" val="1474093507"/>
       </p:ext>
     </p:extLst>
   </p:cSld>
@@ -755,7 +755,7 @@
           <p:cNvPr id="2" name="标题 1">
             <a:extLst>
               <a:ext uri="{FF2B5EF4-FFF2-40B4-BE49-F238E27FC236}">
-                <a16:creationId xmlns:a16="http://schemas.microsoft.com/office/drawing/2014/main" id="{0A484680-382E-A371-10C3-DBC01DF00404}"/>
+                <a16:creationId xmlns:a16="http://schemas.microsoft.com/office/drawing/2014/main" id="{CF9B4489-0E36-CC9E-C368-4EB242EE2330}"/>
               </a:ext>
             </a:extLst>
           </p:cNvPr>
@@ -783,7 +783,7 @@
           <p:cNvPr id="3" name="内容占位符 2">
             <a:extLst>
               <a:ext uri="{FF2B5EF4-FFF2-40B4-BE49-F238E27FC236}">
-                <a16:creationId xmlns:a16="http://schemas.microsoft.com/office/drawing/2014/main" id="{29957F7B-3E75-A893-29A7-22B8029CB380}"/>
+                <a16:creationId xmlns:a16="http://schemas.microsoft.com/office/drawing/2014/main" id="{885D53D3-37B6-EBFA-D502-A74F935A7257}"/>
               </a:ext>
             </a:extLst>
           </p:cNvPr>
@@ -840,7 +840,7 @@
           <p:cNvPr id="4" name="日期占位符 3">
             <a:extLst>
               <a:ext uri="{FF2B5EF4-FFF2-40B4-BE49-F238E27FC236}">
-                <a16:creationId xmlns:a16="http://schemas.microsoft.com/office/drawing/2014/main" id="{4ADAFFEF-F65E-994A-1D66-E2D2985AD9BE}"/>
+                <a16:creationId xmlns:a16="http://schemas.microsoft.com/office/drawing/2014/main" id="{FB04F0F6-2872-81F4-A475-4688E68E9AF8}"/>
               </a:ext>
             </a:extLst>
           </p:cNvPr>
@@ -856,7 +856,7 @@
           <a:bodyPr/>
           <a:lstStyle/>
           <a:p>
-            <a:fld id="{17A4AFC0-662F-4C17-8FA9-4B6D3AB4A8F1}" type="datetimeFigureOut">
+            <a:fld id="{E86DE380-1ECC-426B-93AE-1568F9DDA364}" type="datetimeFigureOut">
               <a:rPr lang="zh-CN" altLang="en-US" smtClean="0"/>
               <a:t>2024/3/10</a:t>
             </a:fld>
@@ -869,7 +869,7 @@
           <p:cNvPr id="5" name="页脚占位符 4">
             <a:extLst>
               <a:ext uri="{FF2B5EF4-FFF2-40B4-BE49-F238E27FC236}">
-                <a16:creationId xmlns:a16="http://schemas.microsoft.com/office/drawing/2014/main" id="{016A3D81-C3DE-77FE-0C6C-AEBBA5DA1696}"/>
+                <a16:creationId xmlns:a16="http://schemas.microsoft.com/office/drawing/2014/main" id="{E3E65F8F-7BE0-894F-11A5-8F5393BD00DC}"/>
               </a:ext>
             </a:extLst>
           </p:cNvPr>
@@ -894,7 +894,7 @@
           <p:cNvPr id="6" name="灯片编号占位符 5">
             <a:extLst>
               <a:ext uri="{FF2B5EF4-FFF2-40B4-BE49-F238E27FC236}">
-                <a16:creationId xmlns:a16="http://schemas.microsoft.com/office/drawing/2014/main" id="{47B4C562-C3A5-605F-DF78-529AB9E7EE8B}"/>
+                <a16:creationId xmlns:a16="http://schemas.microsoft.com/office/drawing/2014/main" id="{7C44E460-6202-8F6F-7768-94D6301C60F3}"/>
               </a:ext>
             </a:extLst>
           </p:cNvPr>
@@ -910,7 +910,7 @@
           <a:bodyPr/>
           <a:lstStyle/>
           <a:p>
-            <a:fld id="{3D0202ED-3D33-4010-B559-E25EA2EDB7CC}" type="slidenum">
+            <a:fld id="{A5A4F808-4CC0-408C-B2C0-B8C536CABC07}" type="slidenum">
               <a:rPr lang="zh-CN" altLang="en-US" smtClean="0"/>
               <a:t>‹#›</a:t>
             </a:fld>
@@ -921,7 +921,7 @@
     </p:spTree>
     <p:extLst>
       <p:ext uri="{BB962C8B-B14F-4D97-AF65-F5344CB8AC3E}">
-        <p14:creationId xmlns:p14="http://schemas.microsoft.com/office/powerpoint/2010/main" val="3510530887"/>
+        <p14:creationId xmlns:p14="http://schemas.microsoft.com/office/powerpoint/2010/main" val="3555056425"/>
       </p:ext>
     </p:extLst>
   </p:cSld>
@@ -953,7 +953,7 @@
           <p:cNvPr id="2" name="标题 1">
             <a:extLst>
               <a:ext uri="{FF2B5EF4-FFF2-40B4-BE49-F238E27FC236}">
-                <a16:creationId xmlns:a16="http://schemas.microsoft.com/office/drawing/2014/main" id="{FC5BF9B4-D8B3-F283-BA60-BAD925B6504B}"/>
+                <a16:creationId xmlns:a16="http://schemas.microsoft.com/office/drawing/2014/main" id="{20EB170F-DA7F-FCA7-9FF0-8570C6318C52}"/>
               </a:ext>
             </a:extLst>
           </p:cNvPr>
@@ -990,7 +990,7 @@
           <p:cNvPr id="3" name="文本占位符 2">
             <a:extLst>
               <a:ext uri="{FF2B5EF4-FFF2-40B4-BE49-F238E27FC236}">
-                <a16:creationId xmlns:a16="http://schemas.microsoft.com/office/drawing/2014/main" id="{E9E9E95B-2465-AD84-9B0E-09D1E128BD1D}"/>
+                <a16:creationId xmlns:a16="http://schemas.microsoft.com/office/drawing/2014/main" id="{5EDB3C7F-DCFB-12AA-DCE7-1ABB7EC2C459}"/>
               </a:ext>
             </a:extLst>
           </p:cNvPr>
@@ -1115,7 +1115,7 @@
           <p:cNvPr id="4" name="日期占位符 3">
             <a:extLst>
               <a:ext uri="{FF2B5EF4-FFF2-40B4-BE49-F238E27FC236}">
-                <a16:creationId xmlns:a16="http://schemas.microsoft.com/office/drawing/2014/main" id="{7260365D-1F7A-6266-28E8-FB1EA318704A}"/>
+                <a16:creationId xmlns:a16="http://schemas.microsoft.com/office/drawing/2014/main" id="{AF10AC79-46C4-8837-3DDD-DC0D685FA712}"/>
               </a:ext>
             </a:extLst>
           </p:cNvPr>
@@ -1131,7 +1131,7 @@
           <a:bodyPr/>
           <a:lstStyle/>
           <a:p>
-            <a:fld id="{17A4AFC0-662F-4C17-8FA9-4B6D3AB4A8F1}" type="datetimeFigureOut">
+            <a:fld id="{E86DE380-1ECC-426B-93AE-1568F9DDA364}" type="datetimeFigureOut">
               <a:rPr lang="zh-CN" altLang="en-US" smtClean="0"/>
               <a:t>2024/3/10</a:t>
             </a:fld>
@@ -1144,7 +1144,7 @@
           <p:cNvPr id="5" name="页脚占位符 4">
             <a:extLst>
               <a:ext uri="{FF2B5EF4-FFF2-40B4-BE49-F238E27FC236}">
-                <a16:creationId xmlns:a16="http://schemas.microsoft.com/office/drawing/2014/main" id="{B5CCD06C-FC65-55C5-EDC5-E384D401FA2A}"/>
+                <a16:creationId xmlns:a16="http://schemas.microsoft.com/office/drawing/2014/main" id="{AE61165A-3166-1E1F-DE6F-F9F0DFF2B12A}"/>
               </a:ext>
             </a:extLst>
           </p:cNvPr>
@@ -1169,7 +1169,7 @@
           <p:cNvPr id="6" name="灯片编号占位符 5">
             <a:extLst>
               <a:ext uri="{FF2B5EF4-FFF2-40B4-BE49-F238E27FC236}">
-                <a16:creationId xmlns:a16="http://schemas.microsoft.com/office/drawing/2014/main" id="{5DDF047C-9251-C190-122B-E3C521FF599A}"/>
+                <a16:creationId xmlns:a16="http://schemas.microsoft.com/office/drawing/2014/main" id="{F9DEF25B-CE69-4119-CD18-337F194D33AC}"/>
               </a:ext>
             </a:extLst>
           </p:cNvPr>
@@ -1185,7 +1185,7 @@
           <a:bodyPr/>
           <a:lstStyle/>
           <a:p>
-            <a:fld id="{3D0202ED-3D33-4010-B559-E25EA2EDB7CC}" type="slidenum">
+            <a:fld id="{A5A4F808-4CC0-408C-B2C0-B8C536CABC07}" type="slidenum">
               <a:rPr lang="zh-CN" altLang="en-US" smtClean="0"/>
               <a:t>‹#›</a:t>
             </a:fld>
@@ -1196,7 +1196,7 @@
     </p:spTree>
     <p:extLst>
       <p:ext uri="{BB962C8B-B14F-4D97-AF65-F5344CB8AC3E}">
-        <p14:creationId xmlns:p14="http://schemas.microsoft.com/office/powerpoint/2010/main" val="120829276"/>
+        <p14:creationId xmlns:p14="http://schemas.microsoft.com/office/powerpoint/2010/main" val="3809335868"/>
       </p:ext>
     </p:extLst>
   </p:cSld>
@@ -1228,7 +1228,7 @@
           <p:cNvPr id="2" name="标题 1">
             <a:extLst>
               <a:ext uri="{FF2B5EF4-FFF2-40B4-BE49-F238E27FC236}">
-                <a16:creationId xmlns:a16="http://schemas.microsoft.com/office/drawing/2014/main" id="{576AC514-5EE5-11AB-5F5E-76AE78D704CE}"/>
+                <a16:creationId xmlns:a16="http://schemas.microsoft.com/office/drawing/2014/main" id="{AEDF0C4F-87A0-AC0A-38D3-FC4DFBFD6C7B}"/>
               </a:ext>
             </a:extLst>
           </p:cNvPr>
@@ -1256,7 +1256,7 @@
           <p:cNvPr id="3" name="内容占位符 2">
             <a:extLst>
               <a:ext uri="{FF2B5EF4-FFF2-40B4-BE49-F238E27FC236}">
-                <a16:creationId xmlns:a16="http://schemas.microsoft.com/office/drawing/2014/main" id="{D0590DB7-8E00-381D-1906-8A26F015852C}"/>
+                <a16:creationId xmlns:a16="http://schemas.microsoft.com/office/drawing/2014/main" id="{D637FED5-9028-AB8F-9C33-6B236F28EF62}"/>
               </a:ext>
             </a:extLst>
           </p:cNvPr>
@@ -1318,7 +1318,7 @@
           <p:cNvPr id="4" name="内容占位符 3">
             <a:extLst>
               <a:ext uri="{FF2B5EF4-FFF2-40B4-BE49-F238E27FC236}">
-                <a16:creationId xmlns:a16="http://schemas.microsoft.com/office/drawing/2014/main" id="{4EA72261-46E8-40FA-ED29-31EA7A726D65}"/>
+                <a16:creationId xmlns:a16="http://schemas.microsoft.com/office/drawing/2014/main" id="{813CF976-BCD2-E553-53F7-A16CF34228D6}"/>
               </a:ext>
             </a:extLst>
           </p:cNvPr>
@@ -1380,7 +1380,7 @@
           <p:cNvPr id="5" name="日期占位符 4">
             <a:extLst>
               <a:ext uri="{FF2B5EF4-FFF2-40B4-BE49-F238E27FC236}">
-                <a16:creationId xmlns:a16="http://schemas.microsoft.com/office/drawing/2014/main" id="{6D9D18F0-4F6A-3CD0-D4D0-B489D5F8E0B9}"/>
+                <a16:creationId xmlns:a16="http://schemas.microsoft.com/office/drawing/2014/main" id="{B35B038F-DB59-6450-AE93-2D51ACB9444C}"/>
               </a:ext>
             </a:extLst>
           </p:cNvPr>
@@ -1396,7 +1396,7 @@
           <a:bodyPr/>
           <a:lstStyle/>
           <a:p>
-            <a:fld id="{17A4AFC0-662F-4C17-8FA9-4B6D3AB4A8F1}" type="datetimeFigureOut">
+            <a:fld id="{E86DE380-1ECC-426B-93AE-1568F9DDA364}" type="datetimeFigureOut">
               <a:rPr lang="zh-CN" altLang="en-US" smtClean="0"/>
               <a:t>2024/3/10</a:t>
             </a:fld>
@@ -1409,7 +1409,7 @@
           <p:cNvPr id="6" name="页脚占位符 5">
             <a:extLst>
               <a:ext uri="{FF2B5EF4-FFF2-40B4-BE49-F238E27FC236}">
-                <a16:creationId xmlns:a16="http://schemas.microsoft.com/office/drawing/2014/main" id="{1B74626A-D785-4A7A-13B7-952BBE42E402}"/>
+                <a16:creationId xmlns:a16="http://schemas.microsoft.com/office/drawing/2014/main" id="{80C71A97-21E9-0F38-9459-73A5B05DB92E}"/>
               </a:ext>
             </a:extLst>
           </p:cNvPr>
@@ -1434,7 +1434,7 @@
           <p:cNvPr id="7" name="灯片编号占位符 6">
             <a:extLst>
               <a:ext uri="{FF2B5EF4-FFF2-40B4-BE49-F238E27FC236}">
-                <a16:creationId xmlns:a16="http://schemas.microsoft.com/office/drawing/2014/main" id="{A7E639E2-7C2F-E1DD-9500-76300E74F818}"/>
+                <a16:creationId xmlns:a16="http://schemas.microsoft.com/office/drawing/2014/main" id="{827C254C-6E05-E46C-3C0F-8229A41B317C}"/>
               </a:ext>
             </a:extLst>
           </p:cNvPr>
@@ -1450,7 +1450,7 @@
           <a:bodyPr/>
           <a:lstStyle/>
           <a:p>
-            <a:fld id="{3D0202ED-3D33-4010-B559-E25EA2EDB7CC}" type="slidenum">
+            <a:fld id="{A5A4F808-4CC0-408C-B2C0-B8C536CABC07}" type="slidenum">
               <a:rPr lang="zh-CN" altLang="en-US" smtClean="0"/>
               <a:t>‹#›</a:t>
             </a:fld>
@@ -1461,7 +1461,7 @@
     </p:spTree>
     <p:extLst>
       <p:ext uri="{BB962C8B-B14F-4D97-AF65-F5344CB8AC3E}">
-        <p14:creationId xmlns:p14="http://schemas.microsoft.com/office/powerpoint/2010/main" val="3799758556"/>
+        <p14:creationId xmlns:p14="http://schemas.microsoft.com/office/powerpoint/2010/main" val="2836699690"/>
       </p:ext>
     </p:extLst>
   </p:cSld>
@@ -1493,7 +1493,7 @@
           <p:cNvPr id="2" name="标题 1">
             <a:extLst>
               <a:ext uri="{FF2B5EF4-FFF2-40B4-BE49-F238E27FC236}">
-                <a16:creationId xmlns:a16="http://schemas.microsoft.com/office/drawing/2014/main" id="{2B20C116-DEC4-E888-9B07-96E64A8C870B}"/>
+                <a16:creationId xmlns:a16="http://schemas.microsoft.com/office/drawing/2014/main" id="{DFEDCB51-51A8-E17A-4586-BEBB09E6F781}"/>
               </a:ext>
             </a:extLst>
           </p:cNvPr>
@@ -1526,7 +1526,7 @@
           <p:cNvPr id="3" name="文本占位符 2">
             <a:extLst>
               <a:ext uri="{FF2B5EF4-FFF2-40B4-BE49-F238E27FC236}">
-                <a16:creationId xmlns:a16="http://schemas.microsoft.com/office/drawing/2014/main" id="{F6136E13-CF76-0119-31B8-F3D432CD0105}"/>
+                <a16:creationId xmlns:a16="http://schemas.microsoft.com/office/drawing/2014/main" id="{C93DA734-7895-BEEC-F7F1-AA87EE76122B}"/>
               </a:ext>
             </a:extLst>
           </p:cNvPr>
@@ -1597,7 +1597,7 @@
           <p:cNvPr id="4" name="内容占位符 3">
             <a:extLst>
               <a:ext uri="{FF2B5EF4-FFF2-40B4-BE49-F238E27FC236}">
-                <a16:creationId xmlns:a16="http://schemas.microsoft.com/office/drawing/2014/main" id="{EEF9588C-9144-1865-EA27-92B0464E1A78}"/>
+                <a16:creationId xmlns:a16="http://schemas.microsoft.com/office/drawing/2014/main" id="{3646C9C5-CFBF-D534-52F7-15D2EB5051B4}"/>
               </a:ext>
             </a:extLst>
           </p:cNvPr>
@@ -1659,7 +1659,7 @@
           <p:cNvPr id="5" name="文本占位符 4">
             <a:extLst>
               <a:ext uri="{FF2B5EF4-FFF2-40B4-BE49-F238E27FC236}">
-                <a16:creationId xmlns:a16="http://schemas.microsoft.com/office/drawing/2014/main" id="{49C9B46D-C2DE-05DD-2CE7-8B5865E49802}"/>
+                <a16:creationId xmlns:a16="http://schemas.microsoft.com/office/drawing/2014/main" id="{AE7C978E-33DC-A33F-5AB9-72EB1364D2B1}"/>
               </a:ext>
             </a:extLst>
           </p:cNvPr>
@@ -1730,7 +1730,7 @@
           <p:cNvPr id="6" name="内容占位符 5">
             <a:extLst>
               <a:ext uri="{FF2B5EF4-FFF2-40B4-BE49-F238E27FC236}">
-                <a16:creationId xmlns:a16="http://schemas.microsoft.com/office/drawing/2014/main" id="{ED0E708F-300B-F472-4951-A0EE105D3FAF}"/>
+                <a16:creationId xmlns:a16="http://schemas.microsoft.com/office/drawing/2014/main" id="{37CBD940-985E-A6BD-40E9-BAE8758A7F26}"/>
               </a:ext>
             </a:extLst>
           </p:cNvPr>
@@ -1792,7 +1792,7 @@
           <p:cNvPr id="7" name="日期占位符 6">
             <a:extLst>
               <a:ext uri="{FF2B5EF4-FFF2-40B4-BE49-F238E27FC236}">
-                <a16:creationId xmlns:a16="http://schemas.microsoft.com/office/drawing/2014/main" id="{CBA169F8-6FFB-63FF-5B33-BCCFF1DCA014}"/>
+                <a16:creationId xmlns:a16="http://schemas.microsoft.com/office/drawing/2014/main" id="{1D151E53-A9B6-1781-78FA-53C51A798AE5}"/>
               </a:ext>
             </a:extLst>
           </p:cNvPr>
@@ -1808,7 +1808,7 @@
           <a:bodyPr/>
           <a:lstStyle/>
           <a:p>
-            <a:fld id="{17A4AFC0-662F-4C17-8FA9-4B6D3AB4A8F1}" type="datetimeFigureOut">
+            <a:fld id="{E86DE380-1ECC-426B-93AE-1568F9DDA364}" type="datetimeFigureOut">
               <a:rPr lang="zh-CN" altLang="en-US" smtClean="0"/>
               <a:t>2024/3/10</a:t>
             </a:fld>
@@ -1821,7 +1821,7 @@
           <p:cNvPr id="8" name="页脚占位符 7">
             <a:extLst>
               <a:ext uri="{FF2B5EF4-FFF2-40B4-BE49-F238E27FC236}">
-                <a16:creationId xmlns:a16="http://schemas.microsoft.com/office/drawing/2014/main" id="{3C142A33-952B-23C5-1846-4616EAB76523}"/>
+                <a16:creationId xmlns:a16="http://schemas.microsoft.com/office/drawing/2014/main" id="{D2BD8F61-72F0-83AD-1580-74BBB5682FF4}"/>
               </a:ext>
             </a:extLst>
           </p:cNvPr>
@@ -1846,7 +1846,7 @@
           <p:cNvPr id="9" name="灯片编号占位符 8">
             <a:extLst>
               <a:ext uri="{FF2B5EF4-FFF2-40B4-BE49-F238E27FC236}">
-                <a16:creationId xmlns:a16="http://schemas.microsoft.com/office/drawing/2014/main" id="{BC7A76C2-E63F-098C-4122-1CB602DF9374}"/>
+                <a16:creationId xmlns:a16="http://schemas.microsoft.com/office/drawing/2014/main" id="{EF17D377-1C1E-B4D8-70B5-435116B8201C}"/>
               </a:ext>
             </a:extLst>
           </p:cNvPr>
@@ -1862,7 +1862,7 @@
           <a:bodyPr/>
           <a:lstStyle/>
           <a:p>
-            <a:fld id="{3D0202ED-3D33-4010-B559-E25EA2EDB7CC}" type="slidenum">
+            <a:fld id="{A5A4F808-4CC0-408C-B2C0-B8C536CABC07}" type="slidenum">
               <a:rPr lang="zh-CN" altLang="en-US" smtClean="0"/>
               <a:t>‹#›</a:t>
             </a:fld>
@@ -1873,7 +1873,7 @@
     </p:spTree>
     <p:extLst>
       <p:ext uri="{BB962C8B-B14F-4D97-AF65-F5344CB8AC3E}">
-        <p14:creationId xmlns:p14="http://schemas.microsoft.com/office/powerpoint/2010/main" val="771734576"/>
+        <p14:creationId xmlns:p14="http://schemas.microsoft.com/office/powerpoint/2010/main" val="2365359598"/>
       </p:ext>
     </p:extLst>
   </p:cSld>
@@ -1905,7 +1905,7 @@
           <p:cNvPr id="2" name="标题 1">
             <a:extLst>
               <a:ext uri="{FF2B5EF4-FFF2-40B4-BE49-F238E27FC236}">
-                <a16:creationId xmlns:a16="http://schemas.microsoft.com/office/drawing/2014/main" id="{E5F11E10-2B8F-69E0-23D4-925C85A49773}"/>
+                <a16:creationId xmlns:a16="http://schemas.microsoft.com/office/drawing/2014/main" id="{9FFB42D0-CBD3-53A6-DE55-6A88A968F23F}"/>
               </a:ext>
             </a:extLst>
           </p:cNvPr>
@@ -1933,7 +1933,7 @@
           <p:cNvPr id="3" name="日期占位符 2">
             <a:extLst>
               <a:ext uri="{FF2B5EF4-FFF2-40B4-BE49-F238E27FC236}">
-                <a16:creationId xmlns:a16="http://schemas.microsoft.com/office/drawing/2014/main" id="{556522F6-E213-9E2A-760F-1884AB7593C0}"/>
+                <a16:creationId xmlns:a16="http://schemas.microsoft.com/office/drawing/2014/main" id="{99C71562-0D89-CB74-5230-89849AD82E60}"/>
               </a:ext>
             </a:extLst>
           </p:cNvPr>
@@ -1949,7 +1949,7 @@
           <a:bodyPr/>
           <a:lstStyle/>
           <a:p>
-            <a:fld id="{17A4AFC0-662F-4C17-8FA9-4B6D3AB4A8F1}" type="datetimeFigureOut">
+            <a:fld id="{E86DE380-1ECC-426B-93AE-1568F9DDA364}" type="datetimeFigureOut">
               <a:rPr lang="zh-CN" altLang="en-US" smtClean="0"/>
               <a:t>2024/3/10</a:t>
             </a:fld>
@@ -1962,7 +1962,7 @@
           <p:cNvPr id="4" name="页脚占位符 3">
             <a:extLst>
               <a:ext uri="{FF2B5EF4-FFF2-40B4-BE49-F238E27FC236}">
-                <a16:creationId xmlns:a16="http://schemas.microsoft.com/office/drawing/2014/main" id="{4D0015A7-C0AB-0DED-C08C-E9D9D457E249}"/>
+                <a16:creationId xmlns:a16="http://schemas.microsoft.com/office/drawing/2014/main" id="{F788BD9C-8FB8-5B8C-1AC5-F3E4E81ECEFA}"/>
               </a:ext>
             </a:extLst>
           </p:cNvPr>
@@ -1987,7 +1987,7 @@
           <p:cNvPr id="5" name="灯片编号占位符 4">
             <a:extLst>
               <a:ext uri="{FF2B5EF4-FFF2-40B4-BE49-F238E27FC236}">
-                <a16:creationId xmlns:a16="http://schemas.microsoft.com/office/drawing/2014/main" id="{41096EB3-512B-35AF-6CE6-7D8D6C52956A}"/>
+                <a16:creationId xmlns:a16="http://schemas.microsoft.com/office/drawing/2014/main" id="{A3F390F0-C9E5-573F-4428-9C8954012510}"/>
               </a:ext>
             </a:extLst>
           </p:cNvPr>
@@ -2003,7 +2003,7 @@
           <a:bodyPr/>
           <a:lstStyle/>
           <a:p>
-            <a:fld id="{3D0202ED-3D33-4010-B559-E25EA2EDB7CC}" type="slidenum">
+            <a:fld id="{A5A4F808-4CC0-408C-B2C0-B8C536CABC07}" type="slidenum">
               <a:rPr lang="zh-CN" altLang="en-US" smtClean="0"/>
               <a:t>‹#›</a:t>
             </a:fld>
@@ -2014,7 +2014,7 @@
     </p:spTree>
     <p:extLst>
       <p:ext uri="{BB962C8B-B14F-4D97-AF65-F5344CB8AC3E}">
-        <p14:creationId xmlns:p14="http://schemas.microsoft.com/office/powerpoint/2010/main" val="3689650627"/>
+        <p14:creationId xmlns:p14="http://schemas.microsoft.com/office/powerpoint/2010/main" val="1589239885"/>
       </p:ext>
     </p:extLst>
   </p:cSld>
@@ -2046,7 +2046,7 @@
           <p:cNvPr id="2" name="日期占位符 1">
             <a:extLst>
               <a:ext uri="{FF2B5EF4-FFF2-40B4-BE49-F238E27FC236}">
-                <a16:creationId xmlns:a16="http://schemas.microsoft.com/office/drawing/2014/main" id="{D5DD9B4D-8170-EBEE-92AF-4565E685FD87}"/>
+                <a16:creationId xmlns:a16="http://schemas.microsoft.com/office/drawing/2014/main" id="{9800C36A-D260-1258-2BDA-16ED458CB794}"/>
               </a:ext>
             </a:extLst>
           </p:cNvPr>
@@ -2062,7 +2062,7 @@
           <a:bodyPr/>
           <a:lstStyle/>
           <a:p>
-            <a:fld id="{17A4AFC0-662F-4C17-8FA9-4B6D3AB4A8F1}" type="datetimeFigureOut">
+            <a:fld id="{E86DE380-1ECC-426B-93AE-1568F9DDA364}" type="datetimeFigureOut">
               <a:rPr lang="zh-CN" altLang="en-US" smtClean="0"/>
               <a:t>2024/3/10</a:t>
             </a:fld>
@@ -2075,7 +2075,7 @@
           <p:cNvPr id="3" name="页脚占位符 2">
             <a:extLst>
               <a:ext uri="{FF2B5EF4-FFF2-40B4-BE49-F238E27FC236}">
-                <a16:creationId xmlns:a16="http://schemas.microsoft.com/office/drawing/2014/main" id="{45D82FE7-4D68-94AA-9C35-F161EB11E255}"/>
+                <a16:creationId xmlns:a16="http://schemas.microsoft.com/office/drawing/2014/main" id="{4092D585-12FE-458E-FB7F-61C30F70265F}"/>
               </a:ext>
             </a:extLst>
           </p:cNvPr>
@@ -2100,7 +2100,7 @@
           <p:cNvPr id="4" name="灯片编号占位符 3">
             <a:extLst>
               <a:ext uri="{FF2B5EF4-FFF2-40B4-BE49-F238E27FC236}">
-                <a16:creationId xmlns:a16="http://schemas.microsoft.com/office/drawing/2014/main" id="{B2BE5659-5566-27A6-BF89-FD38174C02BE}"/>
+                <a16:creationId xmlns:a16="http://schemas.microsoft.com/office/drawing/2014/main" id="{1A3344D4-FB12-2AE7-5C9E-573012324829}"/>
               </a:ext>
             </a:extLst>
           </p:cNvPr>
@@ -2116,7 +2116,7 @@
           <a:bodyPr/>
           <a:lstStyle/>
           <a:p>
-            <a:fld id="{3D0202ED-3D33-4010-B559-E25EA2EDB7CC}" type="slidenum">
+            <a:fld id="{A5A4F808-4CC0-408C-B2C0-B8C536CABC07}" type="slidenum">
               <a:rPr lang="zh-CN" altLang="en-US" smtClean="0"/>
               <a:t>‹#›</a:t>
             </a:fld>
@@ -2127,7 +2127,7 @@
     </p:spTree>
     <p:extLst>
       <p:ext uri="{BB962C8B-B14F-4D97-AF65-F5344CB8AC3E}">
-        <p14:creationId xmlns:p14="http://schemas.microsoft.com/office/powerpoint/2010/main" val="2351309613"/>
+        <p14:creationId xmlns:p14="http://schemas.microsoft.com/office/powerpoint/2010/main" val="1120608085"/>
       </p:ext>
     </p:extLst>
   </p:cSld>
@@ -2159,7 +2159,7 @@
           <p:cNvPr id="2" name="标题 1">
             <a:extLst>
               <a:ext uri="{FF2B5EF4-FFF2-40B4-BE49-F238E27FC236}">
-                <a16:creationId xmlns:a16="http://schemas.microsoft.com/office/drawing/2014/main" id="{46C39441-A426-38EE-36BE-699A63D8C8BF}"/>
+                <a16:creationId xmlns:a16="http://schemas.microsoft.com/office/drawing/2014/main" id="{DC8FD7BB-C5FB-4DA3-B189-C14276EE527F}"/>
               </a:ext>
             </a:extLst>
           </p:cNvPr>
@@ -2196,7 +2196,7 @@
           <p:cNvPr id="3" name="内容占位符 2">
             <a:extLst>
               <a:ext uri="{FF2B5EF4-FFF2-40B4-BE49-F238E27FC236}">
-                <a16:creationId xmlns:a16="http://schemas.microsoft.com/office/drawing/2014/main" id="{B72F3801-5F93-9532-5825-2CD2ABF2BD38}"/>
+                <a16:creationId xmlns:a16="http://schemas.microsoft.com/office/drawing/2014/main" id="{C37F6A40-8AD0-0A5D-2D59-7DD2B536CBCC}"/>
               </a:ext>
             </a:extLst>
           </p:cNvPr>
@@ -2286,7 +2286,7 @@
           <p:cNvPr id="4" name="文本占位符 3">
             <a:extLst>
               <a:ext uri="{FF2B5EF4-FFF2-40B4-BE49-F238E27FC236}">
-                <a16:creationId xmlns:a16="http://schemas.microsoft.com/office/drawing/2014/main" id="{73120ABA-FEF7-9C4E-B8EF-B16CBD28D3EF}"/>
+                <a16:creationId xmlns:a16="http://schemas.microsoft.com/office/drawing/2014/main" id="{46B1A38D-88DD-3E43-DFFE-5B49056AA70F}"/>
               </a:ext>
             </a:extLst>
           </p:cNvPr>
@@ -2357,7 +2357,7 @@
           <p:cNvPr id="5" name="日期占位符 4">
             <a:extLst>
               <a:ext uri="{FF2B5EF4-FFF2-40B4-BE49-F238E27FC236}">
-                <a16:creationId xmlns:a16="http://schemas.microsoft.com/office/drawing/2014/main" id="{8BAB3CEF-1DC0-64F5-C535-86A1DE05F5EA}"/>
+                <a16:creationId xmlns:a16="http://schemas.microsoft.com/office/drawing/2014/main" id="{9EC381D1-4A30-9E30-2557-668FE4DB50C6}"/>
               </a:ext>
             </a:extLst>
           </p:cNvPr>
@@ -2373,7 +2373,7 @@
           <a:bodyPr/>
           <a:lstStyle/>
           <a:p>
-            <a:fld id="{17A4AFC0-662F-4C17-8FA9-4B6D3AB4A8F1}" type="datetimeFigureOut">
+            <a:fld id="{E86DE380-1ECC-426B-93AE-1568F9DDA364}" type="datetimeFigureOut">
               <a:rPr lang="zh-CN" altLang="en-US" smtClean="0"/>
               <a:t>2024/3/10</a:t>
             </a:fld>
@@ -2386,7 +2386,7 @@
           <p:cNvPr id="6" name="页脚占位符 5">
             <a:extLst>
               <a:ext uri="{FF2B5EF4-FFF2-40B4-BE49-F238E27FC236}">
-                <a16:creationId xmlns:a16="http://schemas.microsoft.com/office/drawing/2014/main" id="{BE28BB03-3652-12D9-EBB2-999409282FEF}"/>
+                <a16:creationId xmlns:a16="http://schemas.microsoft.com/office/drawing/2014/main" id="{606753A4-240D-C7B0-74DE-B2F441C8ABB2}"/>
               </a:ext>
             </a:extLst>
           </p:cNvPr>
@@ -2411,7 +2411,7 @@
           <p:cNvPr id="7" name="灯片编号占位符 6">
             <a:extLst>
               <a:ext uri="{FF2B5EF4-FFF2-40B4-BE49-F238E27FC236}">
-                <a16:creationId xmlns:a16="http://schemas.microsoft.com/office/drawing/2014/main" id="{1B4961EA-4F4E-15E4-4A2F-077EF10569CA}"/>
+                <a16:creationId xmlns:a16="http://schemas.microsoft.com/office/drawing/2014/main" id="{68759308-A83B-A900-5FEE-872FAB3AB6FB}"/>
               </a:ext>
             </a:extLst>
           </p:cNvPr>
@@ -2427,7 +2427,7 @@
           <a:bodyPr/>
           <a:lstStyle/>
           <a:p>
-            <a:fld id="{3D0202ED-3D33-4010-B559-E25EA2EDB7CC}" type="slidenum">
+            <a:fld id="{A5A4F808-4CC0-408C-B2C0-B8C536CABC07}" type="slidenum">
               <a:rPr lang="zh-CN" altLang="en-US" smtClean="0"/>
               <a:t>‹#›</a:t>
             </a:fld>
@@ -2438,7 +2438,7 @@
     </p:spTree>
     <p:extLst>
       <p:ext uri="{BB962C8B-B14F-4D97-AF65-F5344CB8AC3E}">
-        <p14:creationId xmlns:p14="http://schemas.microsoft.com/office/powerpoint/2010/main" val="575169396"/>
+        <p14:creationId xmlns:p14="http://schemas.microsoft.com/office/powerpoint/2010/main" val="3311074223"/>
       </p:ext>
     </p:extLst>
   </p:cSld>
@@ -2470,7 +2470,7 @@
           <p:cNvPr id="2" name="标题 1">
             <a:extLst>
               <a:ext uri="{FF2B5EF4-FFF2-40B4-BE49-F238E27FC236}">
-                <a16:creationId xmlns:a16="http://schemas.microsoft.com/office/drawing/2014/main" id="{D4383723-1142-BCB1-3AC4-CB6BA336499C}"/>
+                <a16:creationId xmlns:a16="http://schemas.microsoft.com/office/drawing/2014/main" id="{AC0AD08C-A396-9CBF-8CD8-0C55A3A86E37}"/>
               </a:ext>
             </a:extLst>
           </p:cNvPr>
@@ -2507,7 +2507,7 @@
           <p:cNvPr id="3" name="图片占位符 2">
             <a:extLst>
               <a:ext uri="{FF2B5EF4-FFF2-40B4-BE49-F238E27FC236}">
-                <a16:creationId xmlns:a16="http://schemas.microsoft.com/office/drawing/2014/main" id="{8572C5EC-6CD2-994C-CBE7-E0BF49FC67BA}"/>
+                <a16:creationId xmlns:a16="http://schemas.microsoft.com/office/drawing/2014/main" id="{CABD187C-42D5-81BF-C482-DF54DAB328C2}"/>
               </a:ext>
             </a:extLst>
           </p:cNvPr>
@@ -2574,7 +2574,7 @@
           <p:cNvPr id="4" name="文本占位符 3">
             <a:extLst>
               <a:ext uri="{FF2B5EF4-FFF2-40B4-BE49-F238E27FC236}">
-                <a16:creationId xmlns:a16="http://schemas.microsoft.com/office/drawing/2014/main" id="{074E9F13-7F69-E800-D6D5-D36A8E0F9E59}"/>
+                <a16:creationId xmlns:a16="http://schemas.microsoft.com/office/drawing/2014/main" id="{1111EB9C-CD33-8308-C315-BA8234198D8F}"/>
               </a:ext>
             </a:extLst>
           </p:cNvPr>
@@ -2645,7 +2645,7 @@
           <p:cNvPr id="5" name="日期占位符 4">
             <a:extLst>
               <a:ext uri="{FF2B5EF4-FFF2-40B4-BE49-F238E27FC236}">
-                <a16:creationId xmlns:a16="http://schemas.microsoft.com/office/drawing/2014/main" id="{396928A8-80FD-E3BE-2981-165A4A39A15C}"/>
+                <a16:creationId xmlns:a16="http://schemas.microsoft.com/office/drawing/2014/main" id="{85E81F20-521C-30CD-6BAE-F7E77D257962}"/>
               </a:ext>
             </a:extLst>
           </p:cNvPr>
@@ -2661,7 +2661,7 @@
           <a:bodyPr/>
           <a:lstStyle/>
           <a:p>
-            <a:fld id="{17A4AFC0-662F-4C17-8FA9-4B6D3AB4A8F1}" type="datetimeFigureOut">
+            <a:fld id="{E86DE380-1ECC-426B-93AE-1568F9DDA364}" type="datetimeFigureOut">
               <a:rPr lang="zh-CN" altLang="en-US" smtClean="0"/>
               <a:t>2024/3/10</a:t>
             </a:fld>
@@ -2674,7 +2674,7 @@
           <p:cNvPr id="6" name="页脚占位符 5">
             <a:extLst>
               <a:ext uri="{FF2B5EF4-FFF2-40B4-BE49-F238E27FC236}">
-                <a16:creationId xmlns:a16="http://schemas.microsoft.com/office/drawing/2014/main" id="{DBD0C607-0AC5-8C93-1D98-1815ED9C669D}"/>
+                <a16:creationId xmlns:a16="http://schemas.microsoft.com/office/drawing/2014/main" id="{F8EB256D-3032-5A9A-4260-B8BAB17A565B}"/>
               </a:ext>
             </a:extLst>
           </p:cNvPr>
@@ -2699,7 +2699,7 @@
           <p:cNvPr id="7" name="灯片编号占位符 6">
             <a:extLst>
               <a:ext uri="{FF2B5EF4-FFF2-40B4-BE49-F238E27FC236}">
-                <a16:creationId xmlns:a16="http://schemas.microsoft.com/office/drawing/2014/main" id="{AEAD642C-24C5-1A9C-F4C1-A0996D0A067B}"/>
+                <a16:creationId xmlns:a16="http://schemas.microsoft.com/office/drawing/2014/main" id="{0B870582-F4AF-4621-03F8-9B2103992B2F}"/>
               </a:ext>
             </a:extLst>
           </p:cNvPr>
@@ -2715,7 +2715,7 @@
           <a:bodyPr/>
           <a:lstStyle/>
           <a:p>
-            <a:fld id="{3D0202ED-3D33-4010-B559-E25EA2EDB7CC}" type="slidenum">
+            <a:fld id="{A5A4F808-4CC0-408C-B2C0-B8C536CABC07}" type="slidenum">
               <a:rPr lang="zh-CN" altLang="en-US" smtClean="0"/>
               <a:t>‹#›</a:t>
             </a:fld>
@@ -2726,7 +2726,7 @@
     </p:spTree>
     <p:extLst>
       <p:ext uri="{BB962C8B-B14F-4D97-AF65-F5344CB8AC3E}">
-        <p14:creationId xmlns:p14="http://schemas.microsoft.com/office/powerpoint/2010/main" val="3323250295"/>
+        <p14:creationId xmlns:p14="http://schemas.microsoft.com/office/powerpoint/2010/main" val="3831867832"/>
       </p:ext>
     </p:extLst>
   </p:cSld>
@@ -2763,7 +2763,7 @@
           <p:cNvPr id="2" name="标题占位符 1">
             <a:extLst>
               <a:ext uri="{FF2B5EF4-FFF2-40B4-BE49-F238E27FC236}">
-                <a16:creationId xmlns:a16="http://schemas.microsoft.com/office/drawing/2014/main" id="{724419FB-1E02-70E2-F879-65F73B865DCF}"/>
+                <a16:creationId xmlns:a16="http://schemas.microsoft.com/office/drawing/2014/main" id="{8F3DBC5D-E71B-321D-5067-1E98247A3773}"/>
               </a:ext>
             </a:extLst>
           </p:cNvPr>
@@ -2801,7 +2801,7 @@
           <p:cNvPr id="3" name="文本占位符 2">
             <a:extLst>
               <a:ext uri="{FF2B5EF4-FFF2-40B4-BE49-F238E27FC236}">
-                <a16:creationId xmlns:a16="http://schemas.microsoft.com/office/drawing/2014/main" id="{2E08317A-45DB-B014-B91E-839DE3A3BB77}"/>
+                <a16:creationId xmlns:a16="http://schemas.microsoft.com/office/drawing/2014/main" id="{63FA2192-4F26-7B73-7D46-D8616ED43439}"/>
               </a:ext>
             </a:extLst>
           </p:cNvPr>
@@ -2868,7 +2868,7 @@
           <p:cNvPr id="4" name="日期占位符 3">
             <a:extLst>
               <a:ext uri="{FF2B5EF4-FFF2-40B4-BE49-F238E27FC236}">
-                <a16:creationId xmlns:a16="http://schemas.microsoft.com/office/drawing/2014/main" id="{52F66A64-D247-381A-C83C-BAFE243772CE}"/>
+                <a16:creationId xmlns:a16="http://schemas.microsoft.com/office/drawing/2014/main" id="{5955D304-27B3-B8E5-AF8E-D8F47C29F68C}"/>
               </a:ext>
             </a:extLst>
           </p:cNvPr>
@@ -2902,7 +2902,7 @@
             </a:lvl1pPr>
           </a:lstStyle>
           <a:p>
-            <a:fld id="{17A4AFC0-662F-4C17-8FA9-4B6D3AB4A8F1}" type="datetimeFigureOut">
+            <a:fld id="{E86DE380-1ECC-426B-93AE-1568F9DDA364}" type="datetimeFigureOut">
               <a:rPr lang="zh-CN" altLang="en-US" smtClean="0"/>
               <a:t>2024/3/10</a:t>
             </a:fld>
@@ -2915,7 +2915,7 @@
           <p:cNvPr id="5" name="页脚占位符 4">
             <a:extLst>
               <a:ext uri="{FF2B5EF4-FFF2-40B4-BE49-F238E27FC236}">
-                <a16:creationId xmlns:a16="http://schemas.microsoft.com/office/drawing/2014/main" id="{0636E796-DAAC-6BCC-6A2C-A6EA4396B1CC}"/>
+                <a16:creationId xmlns:a16="http://schemas.microsoft.com/office/drawing/2014/main" id="{8ADD0DB6-E057-5F98-2ED0-2CBE21CEA2B8}"/>
               </a:ext>
             </a:extLst>
           </p:cNvPr>
@@ -2958,7 +2958,7 @@
           <p:cNvPr id="6" name="灯片编号占位符 5">
             <a:extLst>
               <a:ext uri="{FF2B5EF4-FFF2-40B4-BE49-F238E27FC236}">
-                <a16:creationId xmlns:a16="http://schemas.microsoft.com/office/drawing/2014/main" id="{4DFE4F54-B4B1-7648-1F27-333F175EC171}"/>
+                <a16:creationId xmlns:a16="http://schemas.microsoft.com/office/drawing/2014/main" id="{A512327F-7634-AB87-E3AD-5EF8293C2745}"/>
               </a:ext>
             </a:extLst>
           </p:cNvPr>
@@ -2992,7 +2992,7 @@
             </a:lvl1pPr>
           </a:lstStyle>
           <a:p>
-            <a:fld id="{3D0202ED-3D33-4010-B559-E25EA2EDB7CC}" type="slidenum">
+            <a:fld id="{A5A4F808-4CC0-408C-B2C0-B8C536CABC07}" type="slidenum">
               <a:rPr lang="zh-CN" altLang="en-US" smtClean="0"/>
               <a:t>‹#›</a:t>
             </a:fld>
@@ -3003,7 +3003,7 @@
     </p:spTree>
     <p:extLst>
       <p:ext uri="{BB962C8B-B14F-4D97-AF65-F5344CB8AC3E}">
-        <p14:creationId xmlns:p14="http://schemas.microsoft.com/office/powerpoint/2010/main" val="3400550766"/>
+        <p14:creationId xmlns:p14="http://schemas.microsoft.com/office/powerpoint/2010/main" val="3353325653"/>
       </p:ext>
     </p:extLst>
   </p:cSld>
